--- a/platform/examples/examples.emo23/docs/Overview.pptx
+++ b/platform/examples/examples.emo23/docs/Overview.pptx
@@ -252,7 +252,7 @@
           <a:p>
             <a:fld id="{26938CAA-E2FA-461A-85DC-60F36B2F1670}" type="datetimeFigureOut">
               <a:rPr lang="en-US" smtClean="0"/>
-              <a:t>10/17/2023</a:t>
+              <a:t>3/27/2024</a:t>
             </a:fld>
             <a:endParaRPr lang="en-US"/>
           </a:p>
@@ -422,7 +422,7 @@
           <a:p>
             <a:fld id="{26938CAA-E2FA-461A-85DC-60F36B2F1670}" type="datetimeFigureOut">
               <a:rPr lang="en-US" smtClean="0"/>
-              <a:t>10/17/2023</a:t>
+              <a:t>3/27/2024</a:t>
             </a:fld>
             <a:endParaRPr lang="en-US"/>
           </a:p>
@@ -602,7 +602,7 @@
           <a:p>
             <a:fld id="{26938CAA-E2FA-461A-85DC-60F36B2F1670}" type="datetimeFigureOut">
               <a:rPr lang="en-US" smtClean="0"/>
-              <a:t>10/17/2023</a:t>
+              <a:t>3/27/2024</a:t>
             </a:fld>
             <a:endParaRPr lang="en-US"/>
           </a:p>
@@ -1000,7 +1000,7 @@
           <a:p>
             <a:fld id="{26938CAA-E2FA-461A-85DC-60F36B2F1670}" type="datetimeFigureOut">
               <a:rPr lang="en-US" smtClean="0"/>
-              <a:t>10/17/2023</a:t>
+              <a:t>3/27/2024</a:t>
             </a:fld>
             <a:endParaRPr lang="en-US"/>
           </a:p>
@@ -1246,7 +1246,7 @@
           <a:p>
             <a:fld id="{26938CAA-E2FA-461A-85DC-60F36B2F1670}" type="datetimeFigureOut">
               <a:rPr lang="en-US" smtClean="0"/>
-              <a:t>10/17/2023</a:t>
+              <a:t>3/27/2024</a:t>
             </a:fld>
             <a:endParaRPr lang="en-US"/>
           </a:p>
@@ -1478,7 +1478,7 @@
           <a:p>
             <a:fld id="{26938CAA-E2FA-461A-85DC-60F36B2F1670}" type="datetimeFigureOut">
               <a:rPr lang="en-US" smtClean="0"/>
-              <a:t>10/17/2023</a:t>
+              <a:t>3/27/2024</a:t>
             </a:fld>
             <a:endParaRPr lang="en-US"/>
           </a:p>
@@ -1845,7 +1845,7 @@
           <a:p>
             <a:fld id="{26938CAA-E2FA-461A-85DC-60F36B2F1670}" type="datetimeFigureOut">
               <a:rPr lang="en-US" smtClean="0"/>
-              <a:t>10/17/2023</a:t>
+              <a:t>3/27/2024</a:t>
             </a:fld>
             <a:endParaRPr lang="en-US"/>
           </a:p>
@@ -1963,7 +1963,7 @@
           <a:p>
             <a:fld id="{26938CAA-E2FA-461A-85DC-60F36B2F1670}" type="datetimeFigureOut">
               <a:rPr lang="en-US" smtClean="0"/>
-              <a:t>10/17/2023</a:t>
+              <a:t>3/27/2024</a:t>
             </a:fld>
             <a:endParaRPr lang="en-US"/>
           </a:p>
@@ -2058,7 +2058,7 @@
           <a:p>
             <a:fld id="{26938CAA-E2FA-461A-85DC-60F36B2F1670}" type="datetimeFigureOut">
               <a:rPr lang="en-US" smtClean="0"/>
-              <a:t>10/17/2023</a:t>
+              <a:t>3/27/2024</a:t>
             </a:fld>
             <a:endParaRPr lang="en-US"/>
           </a:p>
@@ -2335,7 +2335,7 @@
           <a:p>
             <a:fld id="{26938CAA-E2FA-461A-85DC-60F36B2F1670}" type="datetimeFigureOut">
               <a:rPr lang="en-US" smtClean="0"/>
-              <a:t>10/17/2023</a:t>
+              <a:t>3/27/2024</a:t>
             </a:fld>
             <a:endParaRPr lang="en-US"/>
           </a:p>
@@ -2588,7 +2588,7 @@
           <a:p>
             <a:fld id="{26938CAA-E2FA-461A-85DC-60F36B2F1670}" type="datetimeFigureOut">
               <a:rPr lang="en-US" smtClean="0"/>
-              <a:t>10/17/2023</a:t>
+              <a:t>3/27/2024</a:t>
             </a:fld>
             <a:endParaRPr lang="en-US"/>
           </a:p>
@@ -2801,7 +2801,7 @@
           <a:p>
             <a:fld id="{26938CAA-E2FA-461A-85DC-60F36B2F1670}" type="datetimeFigureOut">
               <a:rPr lang="en-US" smtClean="0"/>
-              <a:t>10/17/2023</a:t>
+              <a:t>3/27/2024</a:t>
             </a:fld>
             <a:endParaRPr lang="en-US"/>
           </a:p>
@@ -3969,6 +3969,45 @@
           </a:fontRef>
         </p:style>
       </p:cxnSp>
+      <p:pic>
+        <p:nvPicPr>
+          <p:cNvPr id="21" name="Picture 20" descr="oktoflow">
+            <a:extLst>
+              <a:ext uri="{FF2B5EF4-FFF2-40B4-BE49-F238E27FC236}">
+                <a16:creationId xmlns:a16="http://schemas.microsoft.com/office/drawing/2014/main" id="{CB86FDC0-4D18-47E4-A252-D8F593C30FAE}"/>
+              </a:ext>
+            </a:extLst>
+          </p:cNvPr>
+          <p:cNvPicPr/>
+          <p:nvPr/>
+        </p:nvPicPr>
+        <p:blipFill>
+          <a:blip r:embed="rId4" cstate="print">
+            <a:extLst>
+              <a:ext uri="{28A0092B-C50C-407E-A947-70E740481C1C}">
+                <a14:useLocalDpi xmlns:a14="http://schemas.microsoft.com/office/drawing/2010/main" val="0"/>
+              </a:ext>
+            </a:extLst>
+          </a:blip>
+          <a:srcRect/>
+          <a:stretch>
+            <a:fillRect/>
+          </a:stretch>
+        </p:blipFill>
+        <p:spPr bwMode="auto">
+          <a:xfrm>
+            <a:off x="10882874" y="17036"/>
+            <a:ext cx="1243963" cy="1072043"/>
+          </a:xfrm>
+          <a:prstGeom prst="rect">
+            <a:avLst/>
+          </a:prstGeom>
+          <a:noFill/>
+          <a:ln>
+            <a:noFill/>
+          </a:ln>
+        </p:spPr>
+      </p:pic>
     </p:spTree>
     <p:extLst>
       <p:ext uri="{BB962C8B-B14F-4D97-AF65-F5344CB8AC3E}">
@@ -5580,6 +5619,45 @@
           </a:fontRef>
         </p:style>
       </p:cxnSp>
+      <p:pic>
+        <p:nvPicPr>
+          <p:cNvPr id="33" name="Picture 32" descr="oktoflow">
+            <a:extLst>
+              <a:ext uri="{FF2B5EF4-FFF2-40B4-BE49-F238E27FC236}">
+                <a16:creationId xmlns:a16="http://schemas.microsoft.com/office/drawing/2014/main" id="{E7263316-D389-420C-BFF0-19AEE55FFFD3}"/>
+              </a:ext>
+            </a:extLst>
+          </p:cNvPr>
+          <p:cNvPicPr/>
+          <p:nvPr/>
+        </p:nvPicPr>
+        <p:blipFill>
+          <a:blip r:embed="rId2" cstate="print">
+            <a:extLst>
+              <a:ext uri="{28A0092B-C50C-407E-A947-70E740481C1C}">
+                <a14:useLocalDpi xmlns:a14="http://schemas.microsoft.com/office/drawing/2010/main" val="0"/>
+              </a:ext>
+            </a:extLst>
+          </a:blip>
+          <a:srcRect/>
+          <a:stretch>
+            <a:fillRect/>
+          </a:stretch>
+        </p:blipFill>
+        <p:spPr bwMode="auto">
+          <a:xfrm>
+            <a:off x="10882874" y="17036"/>
+            <a:ext cx="1243963" cy="1072043"/>
+          </a:xfrm>
+          <a:prstGeom prst="rect">
+            <a:avLst/>
+          </a:prstGeom>
+          <a:noFill/>
+          <a:ln>
+            <a:noFill/>
+          </a:ln>
+        </p:spPr>
+      </p:pic>
     </p:spTree>
     <p:extLst>
       <p:ext uri="{BB962C8B-B14F-4D97-AF65-F5344CB8AC3E}">
@@ -7363,6 +7441,45 @@
           <a:prstGeom prst="rect">
             <a:avLst/>
           </a:prstGeom>
+        </p:spPr>
+      </p:pic>
+      <p:pic>
+        <p:nvPicPr>
+          <p:cNvPr id="45" name="Picture 44" descr="oktoflow">
+            <a:extLst>
+              <a:ext uri="{FF2B5EF4-FFF2-40B4-BE49-F238E27FC236}">
+                <a16:creationId xmlns:a16="http://schemas.microsoft.com/office/drawing/2014/main" id="{52376D70-2D17-4EC3-86E6-731E5753335B}"/>
+              </a:ext>
+            </a:extLst>
+          </p:cNvPr>
+          <p:cNvPicPr/>
+          <p:nvPr/>
+        </p:nvPicPr>
+        <p:blipFill>
+          <a:blip r:embed="rId13" cstate="print">
+            <a:extLst>
+              <a:ext uri="{28A0092B-C50C-407E-A947-70E740481C1C}">
+                <a14:useLocalDpi xmlns:a14="http://schemas.microsoft.com/office/drawing/2010/main" val="0"/>
+              </a:ext>
+            </a:extLst>
+          </a:blip>
+          <a:srcRect/>
+          <a:stretch>
+            <a:fillRect/>
+          </a:stretch>
+        </p:blipFill>
+        <p:spPr bwMode="auto">
+          <a:xfrm>
+            <a:off x="10882874" y="17036"/>
+            <a:ext cx="1243963" cy="1072043"/>
+          </a:xfrm>
+          <a:prstGeom prst="rect">
+            <a:avLst/>
+          </a:prstGeom>
+          <a:noFill/>
+          <a:ln>
+            <a:noFill/>
+          </a:ln>
         </p:spPr>
       </p:pic>
     </p:spTree>
@@ -8317,6 +8434,45 @@
           </a:p>
         </p:txBody>
       </p:sp>
+      <p:pic>
+        <p:nvPicPr>
+          <p:cNvPr id="11" name="Picture 10" descr="oktoflow">
+            <a:extLst>
+              <a:ext uri="{FF2B5EF4-FFF2-40B4-BE49-F238E27FC236}">
+                <a16:creationId xmlns:a16="http://schemas.microsoft.com/office/drawing/2014/main" id="{D4581060-C9EB-40B0-84D4-167E8A7B1A31}"/>
+              </a:ext>
+            </a:extLst>
+          </p:cNvPr>
+          <p:cNvPicPr/>
+          <p:nvPr/>
+        </p:nvPicPr>
+        <p:blipFill>
+          <a:blip r:embed="rId3" cstate="print">
+            <a:extLst>
+              <a:ext uri="{28A0092B-C50C-407E-A947-70E740481C1C}">
+                <a14:useLocalDpi xmlns:a14="http://schemas.microsoft.com/office/drawing/2010/main" val="0"/>
+              </a:ext>
+            </a:extLst>
+          </a:blip>
+          <a:srcRect/>
+          <a:stretch>
+            <a:fillRect/>
+          </a:stretch>
+        </p:blipFill>
+        <p:spPr bwMode="auto">
+          <a:xfrm>
+            <a:off x="10882874" y="17036"/>
+            <a:ext cx="1243963" cy="1072043"/>
+          </a:xfrm>
+          <a:prstGeom prst="rect">
+            <a:avLst/>
+          </a:prstGeom>
+          <a:noFill/>
+          <a:ln>
+            <a:noFill/>
+          </a:ln>
+        </p:spPr>
+      </p:pic>
     </p:spTree>
     <p:extLst>
       <p:ext uri="{BB962C8B-B14F-4D97-AF65-F5344CB8AC3E}">
@@ -8789,6 +8945,45 @@
           </a:prstGeom>
         </p:spPr>
       </p:pic>
+      <p:pic>
+        <p:nvPicPr>
+          <p:cNvPr id="14" name="Picture 13" descr="oktoflow">
+            <a:extLst>
+              <a:ext uri="{FF2B5EF4-FFF2-40B4-BE49-F238E27FC236}">
+                <a16:creationId xmlns:a16="http://schemas.microsoft.com/office/drawing/2014/main" id="{66A87468-4E68-4BCA-BB4B-91D14F477230}"/>
+              </a:ext>
+            </a:extLst>
+          </p:cNvPr>
+          <p:cNvPicPr/>
+          <p:nvPr/>
+        </p:nvPicPr>
+        <p:blipFill>
+          <a:blip r:embed="rId8" cstate="print">
+            <a:extLst>
+              <a:ext uri="{28A0092B-C50C-407E-A947-70E740481C1C}">
+                <a14:useLocalDpi xmlns:a14="http://schemas.microsoft.com/office/drawing/2010/main" val="0"/>
+              </a:ext>
+            </a:extLst>
+          </a:blip>
+          <a:srcRect/>
+          <a:stretch>
+            <a:fillRect/>
+          </a:stretch>
+        </p:blipFill>
+        <p:spPr bwMode="auto">
+          <a:xfrm>
+            <a:off x="10882874" y="17036"/>
+            <a:ext cx="1243963" cy="1072043"/>
+          </a:xfrm>
+          <a:prstGeom prst="rect">
+            <a:avLst/>
+          </a:prstGeom>
+          <a:noFill/>
+          <a:ln>
+            <a:noFill/>
+          </a:ln>
+        </p:spPr>
+      </p:pic>
     </p:spTree>
     <p:extLst>
       <p:ext uri="{BB962C8B-B14F-4D97-AF65-F5344CB8AC3E}">
@@ -12444,6 +12639,45 @@
           </a:p>
         </p:txBody>
       </p:sp>
+      <p:pic>
+        <p:nvPicPr>
+          <p:cNvPr id="25" name="Picture 24" descr="oktoflow">
+            <a:extLst>
+              <a:ext uri="{FF2B5EF4-FFF2-40B4-BE49-F238E27FC236}">
+                <a16:creationId xmlns:a16="http://schemas.microsoft.com/office/drawing/2014/main" id="{CEEED4B8-9387-4156-BC7D-0DA60B0D9B6C}"/>
+              </a:ext>
+            </a:extLst>
+          </p:cNvPr>
+          <p:cNvPicPr/>
+          <p:nvPr/>
+        </p:nvPicPr>
+        <p:blipFill>
+          <a:blip r:embed="rId2" cstate="print">
+            <a:extLst>
+              <a:ext uri="{28A0092B-C50C-407E-A947-70E740481C1C}">
+                <a14:useLocalDpi xmlns:a14="http://schemas.microsoft.com/office/drawing/2010/main" val="0"/>
+              </a:ext>
+            </a:extLst>
+          </a:blip>
+          <a:srcRect/>
+          <a:stretch>
+            <a:fillRect/>
+          </a:stretch>
+        </p:blipFill>
+        <p:spPr bwMode="auto">
+          <a:xfrm>
+            <a:off x="10882874" y="17036"/>
+            <a:ext cx="1243963" cy="1072043"/>
+          </a:xfrm>
+          <a:prstGeom prst="rect">
+            <a:avLst/>
+          </a:prstGeom>
+          <a:noFill/>
+          <a:ln>
+            <a:noFill/>
+          </a:ln>
+        </p:spPr>
+      </p:pic>
     </p:spTree>
     <p:extLst>
       <p:ext uri="{BB962C8B-B14F-4D97-AF65-F5344CB8AC3E}">
@@ -12937,6 +13171,45 @@
           </a:prstGeom>
         </p:spPr>
       </p:pic>
+      <p:pic>
+        <p:nvPicPr>
+          <p:cNvPr id="14" name="Picture 13" descr="oktoflow">
+            <a:extLst>
+              <a:ext uri="{FF2B5EF4-FFF2-40B4-BE49-F238E27FC236}">
+                <a16:creationId xmlns:a16="http://schemas.microsoft.com/office/drawing/2014/main" id="{0FECF357-1260-42E9-8993-45AB2786E156}"/>
+              </a:ext>
+            </a:extLst>
+          </p:cNvPr>
+          <p:cNvPicPr/>
+          <p:nvPr/>
+        </p:nvPicPr>
+        <p:blipFill>
+          <a:blip r:embed="rId7" cstate="print">
+            <a:extLst>
+              <a:ext uri="{28A0092B-C50C-407E-A947-70E740481C1C}">
+                <a14:useLocalDpi xmlns:a14="http://schemas.microsoft.com/office/drawing/2010/main" val="0"/>
+              </a:ext>
+            </a:extLst>
+          </a:blip>
+          <a:srcRect/>
+          <a:stretch>
+            <a:fillRect/>
+          </a:stretch>
+        </p:blipFill>
+        <p:spPr bwMode="auto">
+          <a:xfrm>
+            <a:off x="10882874" y="17036"/>
+            <a:ext cx="1243963" cy="1072043"/>
+          </a:xfrm>
+          <a:prstGeom prst="rect">
+            <a:avLst/>
+          </a:prstGeom>
+          <a:noFill/>
+          <a:ln>
+            <a:noFill/>
+          </a:ln>
+        </p:spPr>
+      </p:pic>
     </p:spTree>
     <p:extLst>
       <p:ext uri="{BB962C8B-B14F-4D97-AF65-F5344CB8AC3E}">
@@ -19557,6 +19830,45 @@
           </a:p>
         </p:txBody>
       </p:sp>
+      <p:pic>
+        <p:nvPicPr>
+          <p:cNvPr id="47" name="Picture 46" descr="oktoflow">
+            <a:extLst>
+              <a:ext uri="{FF2B5EF4-FFF2-40B4-BE49-F238E27FC236}">
+                <a16:creationId xmlns:a16="http://schemas.microsoft.com/office/drawing/2014/main" id="{D878BEE3-A901-41FC-B8B4-52CB84A3A507}"/>
+              </a:ext>
+            </a:extLst>
+          </p:cNvPr>
+          <p:cNvPicPr/>
+          <p:nvPr/>
+        </p:nvPicPr>
+        <p:blipFill>
+          <a:blip r:embed="rId2" cstate="print">
+            <a:extLst>
+              <a:ext uri="{28A0092B-C50C-407E-A947-70E740481C1C}">
+                <a14:useLocalDpi xmlns:a14="http://schemas.microsoft.com/office/drawing/2010/main" val="0"/>
+              </a:ext>
+            </a:extLst>
+          </a:blip>
+          <a:srcRect/>
+          <a:stretch>
+            <a:fillRect/>
+          </a:stretch>
+        </p:blipFill>
+        <p:spPr bwMode="auto">
+          <a:xfrm>
+            <a:off x="10882874" y="17036"/>
+            <a:ext cx="1243963" cy="1072043"/>
+          </a:xfrm>
+          <a:prstGeom prst="rect">
+            <a:avLst/>
+          </a:prstGeom>
+          <a:noFill/>
+          <a:ln>
+            <a:noFill/>
+          </a:ln>
+        </p:spPr>
+      </p:pic>
     </p:spTree>
     <p:extLst>
       <p:ext uri="{BB962C8B-B14F-4D97-AF65-F5344CB8AC3E}">
